--- a/presentation/monthly-sales-forecasting.pptx
+++ b/presentation/monthly-sales-forecasting.pptx
@@ -5,10 +5,10 @@
     <p:sldMasterId id="2147483648" r:id="rId4"/>
   </p:sldMasterIdLst>
   <p:notesMasterIdLst>
-    <p:notesMasterId r:id="rId13"/>
+    <p:notesMasterId r:id="rId14"/>
   </p:notesMasterIdLst>
   <p:handoutMasterIdLst>
-    <p:handoutMasterId r:id="rId14"/>
+    <p:handoutMasterId r:id="rId15"/>
   </p:handoutMasterIdLst>
   <p:sldIdLst>
     <p:sldId id="289" r:id="rId5"/>
@@ -18,7 +18,8 @@
     <p:sldId id="272" r:id="rId9"/>
     <p:sldId id="296" r:id="rId10"/>
     <p:sldId id="297" r:id="rId11"/>
-    <p:sldId id="288" r:id="rId12"/>
+    <p:sldId id="298" r:id="rId12"/>
+    <p:sldId id="288" r:id="rId13"/>
   </p:sldIdLst>
   <p:sldSz cx="12192000" cy="6858000"/>
   <p:notesSz cx="6858000" cy="9144000"/>
@@ -3280,7 +3281,7 @@
           <a:p>
             <a:fld id="{9CA004F4-F240-48F9-8AE1-486585C7F00D}" type="slidenum">
               <a:rPr lang="en-US" smtClean="0"/>
-              <a:t>8</a:t>
+              <a:t>9</a:t>
             </a:fld>
             <a:endParaRPr lang="en-US" dirty="0"/>
           </a:p>
@@ -8396,7 +8397,10 @@
                 <a:spcPts val="0"/>
               </a:spcBef>
             </a:pPr>
-            <a:endParaRPr lang="en-US" dirty="0"/>
+            <a:r>
+              <a:rPr lang="en-US" dirty="0"/>
+              <a:t>Arosha</a:t>
+            </a:r>
           </a:p>
           <a:p>
             <a:pPr>
@@ -24530,6 +24534,139 @@
           <a:chExt cx="0" cy="0"/>
         </a:xfrm>
       </p:grpSpPr>
+      <p:sp>
+        <p:nvSpPr>
+          <p:cNvPr id="2" name="Slide Number Placeholder 1">
+            <a:extLst>
+              <a:ext uri="{FF2B5EF4-FFF2-40B4-BE49-F238E27FC236}">
+                <a16:creationId xmlns:a16="http://schemas.microsoft.com/office/drawing/2014/main" id="{874AB10E-8779-8A91-C058-FADF825CC66A}"/>
+              </a:ext>
+            </a:extLst>
+          </p:cNvPr>
+          <p:cNvSpPr>
+            <a:spLocks noGrp="1"/>
+          </p:cNvSpPr>
+          <p:nvPr>
+            <p:ph type="sldNum" sz="quarter" idx="12"/>
+          </p:nvPr>
+        </p:nvSpPr>
+        <p:spPr/>
+        <p:txBody>
+          <a:bodyPr/>
+          <a:lstStyle/>
+          <a:p>
+            <a:fld id="{82EE24B5-652C-4DB5-B7C3-B5BBEC1280B1}" type="slidenum">
+              <a:rPr lang="en-US" smtClean="0"/>
+              <a:t>8</a:t>
+            </a:fld>
+            <a:endParaRPr lang="en-US" dirty="0"/>
+          </a:p>
+        </p:txBody>
+      </p:sp>
+      <p:sp>
+        <p:nvSpPr>
+          <p:cNvPr id="3" name="Title 2">
+            <a:extLst>
+              <a:ext uri="{FF2B5EF4-FFF2-40B4-BE49-F238E27FC236}">
+                <a16:creationId xmlns:a16="http://schemas.microsoft.com/office/drawing/2014/main" id="{6A938827-0B65-382B-CA75-4C97D33180EA}"/>
+              </a:ext>
+            </a:extLst>
+          </p:cNvPr>
+          <p:cNvSpPr>
+            <a:spLocks noGrp="1"/>
+          </p:cNvSpPr>
+          <p:nvPr>
+            <p:ph type="title"/>
+          </p:nvPr>
+        </p:nvSpPr>
+        <p:spPr/>
+        <p:txBody>
+          <a:bodyPr/>
+          <a:lstStyle/>
+          <a:p>
+            <a:r>
+              <a:rPr lang="en-US" dirty="0" err="1"/>
+              <a:t>Github</a:t>
+            </a:r>
+            <a:r>
+              <a:rPr lang="en-US" dirty="0"/>
+              <a:t> Repository</a:t>
+            </a:r>
+          </a:p>
+        </p:txBody>
+      </p:sp>
+      <p:sp>
+        <p:nvSpPr>
+          <p:cNvPr id="5" name="Content Placeholder 4">
+            <a:extLst>
+              <a:ext uri="{FF2B5EF4-FFF2-40B4-BE49-F238E27FC236}">
+                <a16:creationId xmlns:a16="http://schemas.microsoft.com/office/drawing/2014/main" id="{628F73D1-F578-3F50-0646-B1078F8C40B4}"/>
+              </a:ext>
+            </a:extLst>
+          </p:cNvPr>
+          <p:cNvSpPr>
+            <a:spLocks noGrp="1"/>
+          </p:cNvSpPr>
+          <p:nvPr>
+            <p:ph sz="half" idx="13"/>
+          </p:nvPr>
+        </p:nvSpPr>
+        <p:spPr/>
+        <p:txBody>
+          <a:bodyPr>
+            <a:normAutofit/>
+          </a:bodyPr>
+          <a:lstStyle/>
+          <a:p>
+            <a:r>
+              <a:rPr lang="en-US" sz="2800" dirty="0">
+                <a:hlinkClick r:id="rId2">
+                  <a:extLst>
+                    <a:ext uri="{A12FA001-AC4F-418D-AE19-62706E023703}">
+                      <ahyp:hlinkClr xmlns:ahyp="http://schemas.microsoft.com/office/drawing/2018/hyperlinkcolor" val="tx"/>
+                    </a:ext>
+                  </a:extLst>
+                </a:hlinkClick>
+              </a:rPr>
+              <a:t>https://github.com/mdpw/msc-pds-group</a:t>
+            </a:r>
+            <a:endParaRPr lang="en-US" sz="2800" dirty="0"/>
+          </a:p>
+          <a:p>
+            <a:endParaRPr lang="en-US" sz="2800" dirty="0"/>
+          </a:p>
+        </p:txBody>
+      </p:sp>
+    </p:spTree>
+    <p:extLst>
+      <p:ext uri="{BB962C8B-B14F-4D97-AF65-F5344CB8AC3E}">
+        <p14:creationId xmlns:p14="http://schemas.microsoft.com/office/powerpoint/2010/main" val="2765652395"/>
+      </p:ext>
+    </p:extLst>
+  </p:cSld>
+  <p:clrMapOvr>
+    <a:masterClrMapping/>
+  </p:clrMapOvr>
+</p:sld>
+</file>
+
+<file path=ppt/slides/slide9.xml><?xml version="1.0" encoding="utf-8"?>
+<p:sld xmlns:a="http://schemas.openxmlformats.org/drawingml/2006/main" xmlns:r="http://schemas.openxmlformats.org/officeDocument/2006/relationships" xmlns:p="http://schemas.openxmlformats.org/presentationml/2006/main">
+  <p:cSld>
+    <p:spTree>
+      <p:nvGrpSpPr>
+        <p:cNvPr id="1" name=""/>
+        <p:cNvGrpSpPr/>
+        <p:nvPr/>
+      </p:nvGrpSpPr>
+      <p:grpSpPr>
+        <a:xfrm>
+          <a:off x="0" y="0"/>
+          <a:ext cx="0" cy="0"/>
+          <a:chOff x="0" y="0"/>
+          <a:chExt cx="0" cy="0"/>
+        </a:xfrm>
+      </p:grpSpPr>
       <p:pic>
         <p:nvPicPr>
           <p:cNvPr id="4" name="Content Placeholder 6" descr="Girl with documents">
@@ -25719,6 +25856,23 @@
 </file>
 
 <file path=customXml/item1.xml><?xml version="1.0" encoding="utf-8"?>
+<?mso-contentType ?>
+<FormTemplates xmlns="http://schemas.microsoft.com/sharepoint/v3/contenttype/forms">
+  <Display>DocumentLibraryForm</Display>
+  <Edit>DocumentLibraryForm</Edit>
+  <New>DocumentLibraryForm</New>
+</FormTemplates>
+</file>
+
+<file path=customXml/item2.xml><?xml version="1.0" encoding="utf-8"?>
+<p:properties xmlns:p="http://schemas.microsoft.com/office/2006/metadata/properties" xmlns:xsi="http://www.w3.org/2001/XMLSchema-instance" xmlns:pc="http://schemas.microsoft.com/office/infopath/2007/PartnerControls">
+  <documentManagement>
+    <MediaServiceKeyPoints xmlns="71af3243-3dd4-4a8d-8c0d-dd76da1f02a5" xsi:nil="true"/>
+  </documentManagement>
+</p:properties>
+</file>
+
+<file path=customXml/item3.xml><?xml version="1.0" encoding="utf-8"?>
 <ct:contentTypeSchema xmlns:ct="http://schemas.microsoft.com/office/2006/metadata/contentType" xmlns:ma="http://schemas.microsoft.com/office/2006/metadata/properties/metaAttributes" ct:_="" ma:_="" ma:contentTypeName="Document" ma:contentTypeID="0x01010079F111ED35F8CC479449609E8A0923A6" ma:contentTypeVersion="11" ma:contentTypeDescription="Create a new document." ma:contentTypeScope="" ma:versionID="9677210f24a1be23c92c90fd886aa0aa">
   <xsd:schema xmlns:xsd="http://www.w3.org/2001/XMLSchema" xmlns:xs="http://www.w3.org/2001/XMLSchema" xmlns:p="http://schemas.microsoft.com/office/2006/metadata/properties" xmlns:ns2="71af3243-3dd4-4a8d-8c0d-dd76da1f02a5" xmlns:ns3="16c05727-aa75-4e4a-9b5f-8a80a1165891" targetNamespace="http://schemas.microsoft.com/office/2006/metadata/properties" ma:root="true" ma:fieldsID="60e05723c5c1908df1a1a4ebf11d344e" ns2:_="" ns3:_="">
     <xsd:import namespace="71af3243-3dd4-4a8d-8c0d-dd76da1f02a5"/>
@@ -25929,24 +26083,25 @@
 </ct:contentTypeSchema>
 </file>
 
-<file path=customXml/item2.xml><?xml version="1.0" encoding="utf-8"?>
-<p:properties xmlns:p="http://schemas.microsoft.com/office/2006/metadata/properties" xmlns:xsi="http://www.w3.org/2001/XMLSchema-instance" xmlns:pc="http://schemas.microsoft.com/office/infopath/2007/PartnerControls">
-  <documentManagement>
-    <MediaServiceKeyPoints xmlns="71af3243-3dd4-4a8d-8c0d-dd76da1f02a5" xsi:nil="true"/>
-  </documentManagement>
-</p:properties>
+<file path=customXml/itemProps1.xml><?xml version="1.0" encoding="utf-8"?>
+<ds:datastoreItem xmlns:ds="http://schemas.openxmlformats.org/officeDocument/2006/customXml" ds:itemID="{A2DDA16B-F3AC-4A5B-9F5F-6F5A8F47A9E6}">
+  <ds:schemaRefs>
+    <ds:schemaRef ds:uri="http://schemas.microsoft.com/sharepoint/v3/contenttype/forms"/>
+  </ds:schemaRefs>
+</ds:datastoreItem>
 </file>
 
-<file path=customXml/item3.xml><?xml version="1.0" encoding="utf-8"?>
-<?mso-contentType ?>
-<FormTemplates xmlns="http://schemas.microsoft.com/sharepoint/v3/contenttype/forms">
-  <Display>DocumentLibraryForm</Display>
-  <Edit>DocumentLibraryForm</Edit>
-  <New>DocumentLibraryForm</New>
-</FormTemplates>
+<file path=customXml/itemProps2.xml><?xml version="1.0" encoding="utf-8"?>
+<ds:datastoreItem xmlns:ds="http://schemas.openxmlformats.org/officeDocument/2006/customXml" ds:itemID="{3C118CE8-9293-4220-BA3B-5D353B13ABC9}">
+  <ds:schemaRefs>
+    <ds:schemaRef ds:uri="http://schemas.microsoft.com/office/2006/metadata/properties"/>
+    <ds:schemaRef ds:uri="http://schemas.microsoft.com/office/infopath/2007/PartnerControls"/>
+    <ds:schemaRef ds:uri="71af3243-3dd4-4a8d-8c0d-dd76da1f02a5"/>
+  </ds:schemaRefs>
+</ds:datastoreItem>
 </file>
 
-<file path=customXml/itemProps1.xml><?xml version="1.0" encoding="utf-8"?>
+<file path=customXml/itemProps3.xml><?xml version="1.0" encoding="utf-8"?>
 <ds:datastoreItem xmlns:ds="http://schemas.openxmlformats.org/officeDocument/2006/customXml" ds:itemID="{A426FE2C-7640-4BF0-9D68-FDFD4151FD5B}">
   <ds:schemaRefs>
     <ds:schemaRef ds:uri="http://schemas.microsoft.com/office/2006/metadata/contentType"/>
@@ -25963,22 +26118,4 @@
     <ds:schemaRef ds:uri="http://schemas.microsoft.com/internal/obd"/>
   </ds:schemaRefs>
 </ds:datastoreItem>
-</file>
-
-<file path=customXml/itemProps2.xml><?xml version="1.0" encoding="utf-8"?>
-<ds:datastoreItem xmlns:ds="http://schemas.openxmlformats.org/officeDocument/2006/customXml" ds:itemID="{3C118CE8-9293-4220-BA3B-5D353B13ABC9}">
-  <ds:schemaRefs>
-    <ds:schemaRef ds:uri="http://schemas.microsoft.com/office/2006/metadata/properties"/>
-    <ds:schemaRef ds:uri="http://schemas.microsoft.com/office/infopath/2007/PartnerControls"/>
-    <ds:schemaRef ds:uri="71af3243-3dd4-4a8d-8c0d-dd76da1f02a5"/>
-  </ds:schemaRefs>
-</ds:datastoreItem>
-</file>
-
-<file path=customXml/itemProps3.xml><?xml version="1.0" encoding="utf-8"?>
-<ds:datastoreItem xmlns:ds="http://schemas.openxmlformats.org/officeDocument/2006/customXml" ds:itemID="{A2DDA16B-F3AC-4A5B-9F5F-6F5A8F47A9E6}">
-  <ds:schemaRefs>
-    <ds:schemaRef ds:uri="http://schemas.microsoft.com/sharepoint/v3/contenttype/forms"/>
-  </ds:schemaRefs>
-</ds:datastoreItem>
 </file>